--- a/material/论文相关理论与技术.pptx
+++ b/material/论文相关理论与技术.pptx
@@ -6,6 +6,7 @@
   </p:sldMasterIdLst>
   <p:sldIdLst>
     <p:sldId id="256" r:id="rId2"/>
+    <p:sldId id="257" r:id="rId3"/>
   </p:sldIdLst>
   <p:sldSz cx="12192000" cy="6858000"/>
   <p:notesSz cx="6858000" cy="9144000"/>
@@ -104,6 +105,11 @@
       </a:defRPr>
     </a:lvl9pPr>
   </p:defaultTextStyle>
+  <p:extLst>
+    <p:ext uri="{EFAFB233-063F-42B5-8137-9DF3F51BA10A}">
+      <p15:sldGuideLst xmlns:p15="http://schemas.microsoft.com/office/powerpoint/2012/main"/>
+    </p:ext>
+  </p:extLst>
 </p:presentation>
 </file>
 
@@ -254,7 +260,7 @@
           <a:p>
             <a:fld id="{BF94EF38-D3E2-4225-B23F-FF579C2945F3}" type="datetimeFigureOut">
               <a:rPr lang="zh-CN" altLang="en-US" smtClean="0"/>
-              <a:t>2018/2/25</a:t>
+              <a:t>2018/2/27</a:t>
             </a:fld>
             <a:endParaRPr lang="zh-CN" altLang="en-US"/>
           </a:p>
@@ -452,7 +458,7 @@
           <a:p>
             <a:fld id="{BF94EF38-D3E2-4225-B23F-FF579C2945F3}" type="datetimeFigureOut">
               <a:rPr lang="zh-CN" altLang="en-US" smtClean="0"/>
-              <a:t>2018/2/25</a:t>
+              <a:t>2018/2/27</a:t>
             </a:fld>
             <a:endParaRPr lang="zh-CN" altLang="en-US"/>
           </a:p>
@@ -660,7 +666,7 @@
           <a:p>
             <a:fld id="{BF94EF38-D3E2-4225-B23F-FF579C2945F3}" type="datetimeFigureOut">
               <a:rPr lang="zh-CN" altLang="en-US" smtClean="0"/>
-              <a:t>2018/2/25</a:t>
+              <a:t>2018/2/27</a:t>
             </a:fld>
             <a:endParaRPr lang="zh-CN" altLang="en-US"/>
           </a:p>
@@ -858,7 +864,7 @@
           <a:p>
             <a:fld id="{BF94EF38-D3E2-4225-B23F-FF579C2945F3}" type="datetimeFigureOut">
               <a:rPr lang="zh-CN" altLang="en-US" smtClean="0"/>
-              <a:t>2018/2/25</a:t>
+              <a:t>2018/2/27</a:t>
             </a:fld>
             <a:endParaRPr lang="zh-CN" altLang="en-US"/>
           </a:p>
@@ -1133,7 +1139,7 @@
           <a:p>
             <a:fld id="{BF94EF38-D3E2-4225-B23F-FF579C2945F3}" type="datetimeFigureOut">
               <a:rPr lang="zh-CN" altLang="en-US" smtClean="0"/>
-              <a:t>2018/2/25</a:t>
+              <a:t>2018/2/27</a:t>
             </a:fld>
             <a:endParaRPr lang="zh-CN" altLang="en-US"/>
           </a:p>
@@ -1398,7 +1404,7 @@
           <a:p>
             <a:fld id="{BF94EF38-D3E2-4225-B23F-FF579C2945F3}" type="datetimeFigureOut">
               <a:rPr lang="zh-CN" altLang="en-US" smtClean="0"/>
-              <a:t>2018/2/25</a:t>
+              <a:t>2018/2/27</a:t>
             </a:fld>
             <a:endParaRPr lang="zh-CN" altLang="en-US"/>
           </a:p>
@@ -1810,7 +1816,7 @@
           <a:p>
             <a:fld id="{BF94EF38-D3E2-4225-B23F-FF579C2945F3}" type="datetimeFigureOut">
               <a:rPr lang="zh-CN" altLang="en-US" smtClean="0"/>
-              <a:t>2018/2/25</a:t>
+              <a:t>2018/2/27</a:t>
             </a:fld>
             <a:endParaRPr lang="zh-CN" altLang="en-US"/>
           </a:p>
@@ -1951,7 +1957,7 @@
           <a:p>
             <a:fld id="{BF94EF38-D3E2-4225-B23F-FF579C2945F3}" type="datetimeFigureOut">
               <a:rPr lang="zh-CN" altLang="en-US" smtClean="0"/>
-              <a:t>2018/2/25</a:t>
+              <a:t>2018/2/27</a:t>
             </a:fld>
             <a:endParaRPr lang="zh-CN" altLang="en-US"/>
           </a:p>
@@ -2064,7 +2070,7 @@
           <a:p>
             <a:fld id="{BF94EF38-D3E2-4225-B23F-FF579C2945F3}" type="datetimeFigureOut">
               <a:rPr lang="zh-CN" altLang="en-US" smtClean="0"/>
-              <a:t>2018/2/25</a:t>
+              <a:t>2018/2/27</a:t>
             </a:fld>
             <a:endParaRPr lang="zh-CN" altLang="en-US"/>
           </a:p>
@@ -2375,7 +2381,7 @@
           <a:p>
             <a:fld id="{BF94EF38-D3E2-4225-B23F-FF579C2945F3}" type="datetimeFigureOut">
               <a:rPr lang="zh-CN" altLang="en-US" smtClean="0"/>
-              <a:t>2018/2/25</a:t>
+              <a:t>2018/2/27</a:t>
             </a:fld>
             <a:endParaRPr lang="zh-CN" altLang="en-US"/>
           </a:p>
@@ -2663,7 +2669,7 @@
           <a:p>
             <a:fld id="{BF94EF38-D3E2-4225-B23F-FF579C2945F3}" type="datetimeFigureOut">
               <a:rPr lang="zh-CN" altLang="en-US" smtClean="0"/>
-              <a:t>2018/2/25</a:t>
+              <a:t>2018/2/27</a:t>
             </a:fld>
             <a:endParaRPr lang="zh-CN" altLang="en-US"/>
           </a:p>
@@ -2904,7 +2910,7 @@
           <a:p>
             <a:fld id="{BF94EF38-D3E2-4225-B23F-FF579C2945F3}" type="datetimeFigureOut">
               <a:rPr lang="zh-CN" altLang="en-US" smtClean="0"/>
-              <a:t>2018/2/25</a:t>
+              <a:t>2018/2/27</a:t>
             </a:fld>
             <a:endParaRPr lang="zh-CN" altLang="en-US"/>
           </a:p>
@@ -3745,6 +3751,468 @@
 </p:sld>
 </file>
 
+<file path=ppt/slides/slide2.xml><?xml version="1.0" encoding="utf-8"?>
+<p:sld xmlns:a="http://schemas.openxmlformats.org/drawingml/2006/main" xmlns:r="http://schemas.openxmlformats.org/officeDocument/2006/relationships" xmlns:p="http://schemas.openxmlformats.org/presentationml/2006/main">
+  <p:cSld>
+    <p:spTree>
+      <p:nvGrpSpPr>
+        <p:cNvPr id="1" name=""/>
+        <p:cNvGrpSpPr/>
+        <p:nvPr/>
+      </p:nvGrpSpPr>
+      <p:grpSpPr>
+        <a:xfrm>
+          <a:off x="0" y="0"/>
+          <a:ext cx="0" cy="0"/>
+          <a:chOff x="0" y="0"/>
+          <a:chExt cx="0" cy="0"/>
+        </a:xfrm>
+      </p:grpSpPr>
+      <p:grpSp>
+        <p:nvGrpSpPr>
+          <p:cNvPr id="3" name="组合 2">
+            <a:extLst>
+              <a:ext uri="{FF2B5EF4-FFF2-40B4-BE49-F238E27FC236}">
+                <a16:creationId xmlns:a16="http://schemas.microsoft.com/office/drawing/2014/main" id="{5E208806-298E-4212-AE0A-57D23069EA3B}"/>
+              </a:ext>
+            </a:extLst>
+          </p:cNvPr>
+          <p:cNvGrpSpPr/>
+          <p:nvPr/>
+        </p:nvGrpSpPr>
+        <p:grpSpPr>
+          <a:xfrm>
+            <a:off x="629920" y="3114040"/>
+            <a:ext cx="7843520" cy="1661160"/>
+            <a:chOff x="629920" y="3114040"/>
+            <a:chExt cx="7843520" cy="1661160"/>
+          </a:xfrm>
+        </p:grpSpPr>
+        <p:sp>
+          <p:nvSpPr>
+            <p:cNvPr id="5" name="流程图: 终止 4">
+              <a:extLst>
+                <a:ext uri="{FF2B5EF4-FFF2-40B4-BE49-F238E27FC236}">
+                  <a16:creationId xmlns:a16="http://schemas.microsoft.com/office/drawing/2014/main" id="{1D69BA07-96C1-4771-A9E0-08D007B87088}"/>
+                </a:ext>
+              </a:extLst>
+            </p:cNvPr>
+            <p:cNvSpPr/>
+            <p:nvPr/>
+          </p:nvSpPr>
+          <p:spPr>
+            <a:xfrm>
+              <a:off x="629920" y="3114040"/>
+              <a:ext cx="1615440" cy="629920"/>
+            </a:xfrm>
+            <a:prstGeom prst="flowChartTerminator">
+              <a:avLst/>
+            </a:prstGeom>
+          </p:spPr>
+          <p:style>
+            <a:lnRef idx="2">
+              <a:schemeClr val="dk1"/>
+            </a:lnRef>
+            <a:fillRef idx="1">
+              <a:schemeClr val="lt1"/>
+            </a:fillRef>
+            <a:effectRef idx="0">
+              <a:schemeClr val="dk1"/>
+            </a:effectRef>
+            <a:fontRef idx="minor">
+              <a:schemeClr val="dk1"/>
+            </a:fontRef>
+          </p:style>
+          <p:txBody>
+            <a:bodyPr rtlCol="0" anchor="ctr"/>
+            <a:lstStyle/>
+            <a:p>
+              <a:pPr algn="ctr"/>
+              <a:r>
+                <a:rPr lang="zh-CN" altLang="en-US" dirty="0"/>
+                <a:t>输入图像</a:t>
+              </a:r>
+            </a:p>
+          </p:txBody>
+        </p:sp>
+        <p:sp>
+          <p:nvSpPr>
+            <p:cNvPr id="6" name="流程图: 终止 5">
+              <a:extLst>
+                <a:ext uri="{FF2B5EF4-FFF2-40B4-BE49-F238E27FC236}">
+                  <a16:creationId xmlns:a16="http://schemas.microsoft.com/office/drawing/2014/main" id="{3740F5C1-E91D-4C8F-A65B-F355CC3E9170}"/>
+                </a:ext>
+              </a:extLst>
+            </p:cNvPr>
+            <p:cNvSpPr/>
+            <p:nvPr/>
+          </p:nvSpPr>
+          <p:spPr>
+            <a:xfrm>
+              <a:off x="6858000" y="4145280"/>
+              <a:ext cx="1615440" cy="629920"/>
+            </a:xfrm>
+            <a:prstGeom prst="flowChartTerminator">
+              <a:avLst/>
+            </a:prstGeom>
+          </p:spPr>
+          <p:style>
+            <a:lnRef idx="2">
+              <a:schemeClr val="dk1"/>
+            </a:lnRef>
+            <a:fillRef idx="1">
+              <a:schemeClr val="lt1"/>
+            </a:fillRef>
+            <a:effectRef idx="0">
+              <a:schemeClr val="dk1"/>
+            </a:effectRef>
+            <a:fontRef idx="minor">
+              <a:schemeClr val="dk1"/>
+            </a:fontRef>
+          </p:style>
+          <p:txBody>
+            <a:bodyPr rtlCol="0" anchor="ctr"/>
+            <a:lstStyle/>
+            <a:p>
+              <a:pPr algn="ctr"/>
+              <a:r>
+                <a:rPr lang="zh-CN" altLang="en-US" dirty="0"/>
+                <a:t>检测结果</a:t>
+              </a:r>
+            </a:p>
+          </p:txBody>
+        </p:sp>
+        <p:sp>
+          <p:nvSpPr>
+            <p:cNvPr id="7" name="流程图: 过程 6">
+              <a:extLst>
+                <a:ext uri="{FF2B5EF4-FFF2-40B4-BE49-F238E27FC236}">
+                  <a16:creationId xmlns:a16="http://schemas.microsoft.com/office/drawing/2014/main" id="{C181706C-E3D0-4F3C-ADD1-2991AAD0FD39}"/>
+                </a:ext>
+              </a:extLst>
+            </p:cNvPr>
+            <p:cNvSpPr/>
+            <p:nvPr/>
+          </p:nvSpPr>
+          <p:spPr>
+            <a:xfrm>
+              <a:off x="2550160" y="3119120"/>
+              <a:ext cx="1849120" cy="629920"/>
+            </a:xfrm>
+            <a:prstGeom prst="flowChartProcess">
+              <a:avLst/>
+            </a:prstGeom>
+          </p:spPr>
+          <p:style>
+            <a:lnRef idx="2">
+              <a:schemeClr val="dk1"/>
+            </a:lnRef>
+            <a:fillRef idx="1">
+              <a:schemeClr val="lt1"/>
+            </a:fillRef>
+            <a:effectRef idx="0">
+              <a:schemeClr val="dk1"/>
+            </a:effectRef>
+            <a:fontRef idx="minor">
+              <a:schemeClr val="dk1"/>
+            </a:fontRef>
+          </p:style>
+          <p:txBody>
+            <a:bodyPr rtlCol="0" anchor="ctr"/>
+            <a:lstStyle/>
+            <a:p>
+              <a:pPr algn="ctr"/>
+              <a:r>
+                <a:rPr lang="zh-CN" altLang="en-US" dirty="0"/>
+                <a:t>连通部件分割</a:t>
+              </a:r>
+            </a:p>
+          </p:txBody>
+        </p:sp>
+        <p:sp>
+          <p:nvSpPr>
+            <p:cNvPr id="8" name="流程图: 过程 7">
+              <a:extLst>
+                <a:ext uri="{FF2B5EF4-FFF2-40B4-BE49-F238E27FC236}">
+                  <a16:creationId xmlns:a16="http://schemas.microsoft.com/office/drawing/2014/main" id="{C42331DE-5E68-41D9-8058-898067EE9CFF}"/>
+                </a:ext>
+              </a:extLst>
+            </p:cNvPr>
+            <p:cNvSpPr/>
+            <p:nvPr/>
+          </p:nvSpPr>
+          <p:spPr>
+            <a:xfrm>
+              <a:off x="2550160" y="4145280"/>
+              <a:ext cx="1849120" cy="629920"/>
+            </a:xfrm>
+            <a:prstGeom prst="flowChartProcess">
+              <a:avLst/>
+            </a:prstGeom>
+          </p:spPr>
+          <p:style>
+            <a:lnRef idx="2">
+              <a:schemeClr val="dk1"/>
+            </a:lnRef>
+            <a:fillRef idx="1">
+              <a:schemeClr val="lt1"/>
+            </a:fillRef>
+            <a:effectRef idx="0">
+              <a:schemeClr val="dk1"/>
+            </a:effectRef>
+            <a:fontRef idx="minor">
+              <a:schemeClr val="dk1"/>
+            </a:fontRef>
+          </p:style>
+          <p:txBody>
+            <a:bodyPr rtlCol="0" anchor="ctr"/>
+            <a:lstStyle/>
+            <a:p>
+              <a:pPr algn="ctr"/>
+              <a:r>
+                <a:rPr lang="zh-CN" altLang="en-US" dirty="0"/>
+                <a:t>连通部件</a:t>
+              </a:r>
+              <a:endParaRPr lang="en-US" altLang="zh-CN" dirty="0"/>
+            </a:p>
+            <a:p>
+              <a:pPr algn="ctr"/>
+              <a:r>
+                <a:rPr lang="zh-CN" altLang="en-US" dirty="0"/>
+                <a:t>特征提取</a:t>
+              </a:r>
+            </a:p>
+          </p:txBody>
+        </p:sp>
+        <p:sp>
+          <p:nvSpPr>
+            <p:cNvPr id="9" name="流程图: 过程 8">
+              <a:extLst>
+                <a:ext uri="{FF2B5EF4-FFF2-40B4-BE49-F238E27FC236}">
+                  <a16:creationId xmlns:a16="http://schemas.microsoft.com/office/drawing/2014/main" id="{0BCC971F-57BD-4142-A195-242C5397508F}"/>
+                </a:ext>
+              </a:extLst>
+            </p:cNvPr>
+            <p:cNvSpPr/>
+            <p:nvPr/>
+          </p:nvSpPr>
+          <p:spPr>
+            <a:xfrm>
+              <a:off x="4704080" y="4145280"/>
+              <a:ext cx="1849120" cy="629920"/>
+            </a:xfrm>
+            <a:prstGeom prst="flowChartProcess">
+              <a:avLst/>
+            </a:prstGeom>
+          </p:spPr>
+          <p:style>
+            <a:lnRef idx="2">
+              <a:schemeClr val="dk1"/>
+            </a:lnRef>
+            <a:fillRef idx="1">
+              <a:schemeClr val="lt1"/>
+            </a:fillRef>
+            <a:effectRef idx="0">
+              <a:schemeClr val="dk1"/>
+            </a:effectRef>
+            <a:fontRef idx="minor">
+              <a:schemeClr val="dk1"/>
+            </a:fontRef>
+          </p:style>
+          <p:txBody>
+            <a:bodyPr rtlCol="0" anchor="ctr"/>
+            <a:lstStyle/>
+            <a:p>
+              <a:pPr algn="ctr"/>
+              <a:r>
+                <a:rPr lang="zh-CN" altLang="en-US" dirty="0"/>
+                <a:t>连通部件分析</a:t>
+              </a:r>
+            </a:p>
+          </p:txBody>
+        </p:sp>
+        <p:cxnSp>
+          <p:nvCxnSpPr>
+            <p:cNvPr id="11" name="直接箭头连接符 10">
+              <a:extLst>
+                <a:ext uri="{FF2B5EF4-FFF2-40B4-BE49-F238E27FC236}">
+                  <a16:creationId xmlns:a16="http://schemas.microsoft.com/office/drawing/2014/main" id="{24361B35-37D6-4ACE-85C1-36616A4D8E70}"/>
+                </a:ext>
+              </a:extLst>
+            </p:cNvPr>
+            <p:cNvCxnSpPr>
+              <a:stCxn id="5" idx="3"/>
+              <a:endCxn id="7" idx="1"/>
+            </p:cNvCxnSpPr>
+            <p:nvPr/>
+          </p:nvCxnSpPr>
+          <p:spPr>
+            <a:xfrm>
+              <a:off x="2245360" y="3429000"/>
+              <a:ext cx="304800" cy="5080"/>
+            </a:xfrm>
+            <a:prstGeom prst="straightConnector1">
+              <a:avLst/>
+            </a:prstGeom>
+            <a:ln>
+              <a:tailEnd type="triangle"/>
+            </a:ln>
+          </p:spPr>
+          <p:style>
+            <a:lnRef idx="1">
+              <a:schemeClr val="dk1"/>
+            </a:lnRef>
+            <a:fillRef idx="0">
+              <a:schemeClr val="dk1"/>
+            </a:fillRef>
+            <a:effectRef idx="0">
+              <a:schemeClr val="dk1"/>
+            </a:effectRef>
+            <a:fontRef idx="minor">
+              <a:schemeClr val="tx1"/>
+            </a:fontRef>
+          </p:style>
+        </p:cxnSp>
+        <p:cxnSp>
+          <p:nvCxnSpPr>
+            <p:cNvPr id="13" name="直接箭头连接符 12">
+              <a:extLst>
+                <a:ext uri="{FF2B5EF4-FFF2-40B4-BE49-F238E27FC236}">
+                  <a16:creationId xmlns:a16="http://schemas.microsoft.com/office/drawing/2014/main" id="{D7281675-2328-4266-B8ED-B52CC4957CCF}"/>
+                </a:ext>
+              </a:extLst>
+            </p:cNvPr>
+            <p:cNvCxnSpPr>
+              <a:stCxn id="7" idx="2"/>
+              <a:endCxn id="8" idx="0"/>
+            </p:cNvCxnSpPr>
+            <p:nvPr/>
+          </p:nvCxnSpPr>
+          <p:spPr>
+            <a:xfrm>
+              <a:off x="3474720" y="3749040"/>
+              <a:ext cx="0" cy="396240"/>
+            </a:xfrm>
+            <a:prstGeom prst="straightConnector1">
+              <a:avLst/>
+            </a:prstGeom>
+            <a:ln>
+              <a:tailEnd type="triangle"/>
+            </a:ln>
+          </p:spPr>
+          <p:style>
+            <a:lnRef idx="1">
+              <a:schemeClr val="dk1"/>
+            </a:lnRef>
+            <a:fillRef idx="0">
+              <a:schemeClr val="dk1"/>
+            </a:fillRef>
+            <a:effectRef idx="0">
+              <a:schemeClr val="dk1"/>
+            </a:effectRef>
+            <a:fontRef idx="minor">
+              <a:schemeClr val="tx1"/>
+            </a:fontRef>
+          </p:style>
+        </p:cxnSp>
+        <p:cxnSp>
+          <p:nvCxnSpPr>
+            <p:cNvPr id="15" name="直接箭头连接符 14">
+              <a:extLst>
+                <a:ext uri="{FF2B5EF4-FFF2-40B4-BE49-F238E27FC236}">
+                  <a16:creationId xmlns:a16="http://schemas.microsoft.com/office/drawing/2014/main" id="{A33D6CF3-E53E-4897-84F2-13C29434855C}"/>
+                </a:ext>
+              </a:extLst>
+            </p:cNvPr>
+            <p:cNvCxnSpPr>
+              <a:stCxn id="8" idx="3"/>
+              <a:endCxn id="9" idx="1"/>
+            </p:cNvCxnSpPr>
+            <p:nvPr/>
+          </p:nvCxnSpPr>
+          <p:spPr>
+            <a:xfrm>
+              <a:off x="4399280" y="4460240"/>
+              <a:ext cx="304800" cy="0"/>
+            </a:xfrm>
+            <a:prstGeom prst="straightConnector1">
+              <a:avLst/>
+            </a:prstGeom>
+            <a:ln>
+              <a:tailEnd type="triangle"/>
+            </a:ln>
+          </p:spPr>
+          <p:style>
+            <a:lnRef idx="1">
+              <a:schemeClr val="dk1"/>
+            </a:lnRef>
+            <a:fillRef idx="0">
+              <a:schemeClr val="dk1"/>
+            </a:fillRef>
+            <a:effectRef idx="0">
+              <a:schemeClr val="dk1"/>
+            </a:effectRef>
+            <a:fontRef idx="minor">
+              <a:schemeClr val="tx1"/>
+            </a:fontRef>
+          </p:style>
+        </p:cxnSp>
+        <p:cxnSp>
+          <p:nvCxnSpPr>
+            <p:cNvPr id="17" name="直接箭头连接符 16">
+              <a:extLst>
+                <a:ext uri="{FF2B5EF4-FFF2-40B4-BE49-F238E27FC236}">
+                  <a16:creationId xmlns:a16="http://schemas.microsoft.com/office/drawing/2014/main" id="{0EE074BD-A0CB-4B28-B739-AE8A0A7A930B}"/>
+                </a:ext>
+              </a:extLst>
+            </p:cNvPr>
+            <p:cNvCxnSpPr>
+              <a:stCxn id="9" idx="3"/>
+              <a:endCxn id="6" idx="1"/>
+            </p:cNvCxnSpPr>
+            <p:nvPr/>
+          </p:nvCxnSpPr>
+          <p:spPr>
+            <a:xfrm>
+              <a:off x="6553200" y="4460240"/>
+              <a:ext cx="304800" cy="0"/>
+            </a:xfrm>
+            <a:prstGeom prst="straightConnector1">
+              <a:avLst/>
+            </a:prstGeom>
+            <a:ln>
+              <a:tailEnd type="triangle"/>
+            </a:ln>
+          </p:spPr>
+          <p:style>
+            <a:lnRef idx="1">
+              <a:schemeClr val="dk1"/>
+            </a:lnRef>
+            <a:fillRef idx="0">
+              <a:schemeClr val="dk1"/>
+            </a:fillRef>
+            <a:effectRef idx="0">
+              <a:schemeClr val="dk1"/>
+            </a:effectRef>
+            <a:fontRef idx="minor">
+              <a:schemeClr val="tx1"/>
+            </a:fontRef>
+          </p:style>
+        </p:cxnSp>
+      </p:grpSp>
+    </p:spTree>
+    <p:extLst>
+      <p:ext uri="{BB962C8B-B14F-4D97-AF65-F5344CB8AC3E}">
+        <p14:creationId xmlns:p14="http://schemas.microsoft.com/office/powerpoint/2010/main" val="3333843648"/>
+      </p:ext>
+    </p:extLst>
+  </p:cSld>
+  <p:clrMapOvr>
+    <a:masterClrMapping/>
+  </p:clrMapOvr>
+</p:sld>
+</file>
+
 <file path=ppt/theme/theme1.xml><?xml version="1.0" encoding="utf-8"?>
 <a:theme xmlns:a="http://schemas.openxmlformats.org/drawingml/2006/main" name="Office 主题​​">
   <a:themeElements>

--- a/material/论文相关理论与技术.pptx
+++ b/material/论文相关理论与技术.pptx
@@ -6,7 +6,9 @@
   </p:sldMasterIdLst>
   <p:sldIdLst>
     <p:sldId id="256" r:id="rId2"/>
-    <p:sldId id="257" r:id="rId3"/>
+    <p:sldId id="258" r:id="rId3"/>
+    <p:sldId id="257" r:id="rId4"/>
+    <p:sldId id="259" r:id="rId5"/>
   </p:sldIdLst>
   <p:sldSz cx="12192000" cy="6858000"/>
   <p:notesSz cx="6858000" cy="9144000"/>
@@ -260,7 +262,7 @@
           <a:p>
             <a:fld id="{BF94EF38-D3E2-4225-B23F-FF579C2945F3}" type="datetimeFigureOut">
               <a:rPr lang="zh-CN" altLang="en-US" smtClean="0"/>
-              <a:t>2018/2/27</a:t>
+              <a:t>2018/3/23</a:t>
             </a:fld>
             <a:endParaRPr lang="zh-CN" altLang="en-US"/>
           </a:p>
@@ -458,7 +460,7 @@
           <a:p>
             <a:fld id="{BF94EF38-D3E2-4225-B23F-FF579C2945F3}" type="datetimeFigureOut">
               <a:rPr lang="zh-CN" altLang="en-US" smtClean="0"/>
-              <a:t>2018/2/27</a:t>
+              <a:t>2018/3/23</a:t>
             </a:fld>
             <a:endParaRPr lang="zh-CN" altLang="en-US"/>
           </a:p>
@@ -666,7 +668,7 @@
           <a:p>
             <a:fld id="{BF94EF38-D3E2-4225-B23F-FF579C2945F3}" type="datetimeFigureOut">
               <a:rPr lang="zh-CN" altLang="en-US" smtClean="0"/>
-              <a:t>2018/2/27</a:t>
+              <a:t>2018/3/23</a:t>
             </a:fld>
             <a:endParaRPr lang="zh-CN" altLang="en-US"/>
           </a:p>
@@ -864,7 +866,7 @@
           <a:p>
             <a:fld id="{BF94EF38-D3E2-4225-B23F-FF579C2945F3}" type="datetimeFigureOut">
               <a:rPr lang="zh-CN" altLang="en-US" smtClean="0"/>
-              <a:t>2018/2/27</a:t>
+              <a:t>2018/3/23</a:t>
             </a:fld>
             <a:endParaRPr lang="zh-CN" altLang="en-US"/>
           </a:p>
@@ -1139,7 +1141,7 @@
           <a:p>
             <a:fld id="{BF94EF38-D3E2-4225-B23F-FF579C2945F3}" type="datetimeFigureOut">
               <a:rPr lang="zh-CN" altLang="en-US" smtClean="0"/>
-              <a:t>2018/2/27</a:t>
+              <a:t>2018/3/23</a:t>
             </a:fld>
             <a:endParaRPr lang="zh-CN" altLang="en-US"/>
           </a:p>
@@ -1404,7 +1406,7 @@
           <a:p>
             <a:fld id="{BF94EF38-D3E2-4225-B23F-FF579C2945F3}" type="datetimeFigureOut">
               <a:rPr lang="zh-CN" altLang="en-US" smtClean="0"/>
-              <a:t>2018/2/27</a:t>
+              <a:t>2018/3/23</a:t>
             </a:fld>
             <a:endParaRPr lang="zh-CN" altLang="en-US"/>
           </a:p>
@@ -1816,7 +1818,7 @@
           <a:p>
             <a:fld id="{BF94EF38-D3E2-4225-B23F-FF579C2945F3}" type="datetimeFigureOut">
               <a:rPr lang="zh-CN" altLang="en-US" smtClean="0"/>
-              <a:t>2018/2/27</a:t>
+              <a:t>2018/3/23</a:t>
             </a:fld>
             <a:endParaRPr lang="zh-CN" altLang="en-US"/>
           </a:p>
@@ -1957,7 +1959,7 @@
           <a:p>
             <a:fld id="{BF94EF38-D3E2-4225-B23F-FF579C2945F3}" type="datetimeFigureOut">
               <a:rPr lang="zh-CN" altLang="en-US" smtClean="0"/>
-              <a:t>2018/2/27</a:t>
+              <a:t>2018/3/23</a:t>
             </a:fld>
             <a:endParaRPr lang="zh-CN" altLang="en-US"/>
           </a:p>
@@ -2070,7 +2072,7 @@
           <a:p>
             <a:fld id="{BF94EF38-D3E2-4225-B23F-FF579C2945F3}" type="datetimeFigureOut">
               <a:rPr lang="zh-CN" altLang="en-US" smtClean="0"/>
-              <a:t>2018/2/27</a:t>
+              <a:t>2018/3/23</a:t>
             </a:fld>
             <a:endParaRPr lang="zh-CN" altLang="en-US"/>
           </a:p>
@@ -2381,7 +2383,7 @@
           <a:p>
             <a:fld id="{BF94EF38-D3E2-4225-B23F-FF579C2945F3}" type="datetimeFigureOut">
               <a:rPr lang="zh-CN" altLang="en-US" smtClean="0"/>
-              <a:t>2018/2/27</a:t>
+              <a:t>2018/3/23</a:t>
             </a:fld>
             <a:endParaRPr lang="zh-CN" altLang="en-US"/>
           </a:p>
@@ -2669,7 +2671,7 @@
           <a:p>
             <a:fld id="{BF94EF38-D3E2-4225-B23F-FF579C2945F3}" type="datetimeFigureOut">
               <a:rPr lang="zh-CN" altLang="en-US" smtClean="0"/>
-              <a:t>2018/2/27</a:t>
+              <a:t>2018/3/23</a:t>
             </a:fld>
             <a:endParaRPr lang="zh-CN" altLang="en-US"/>
           </a:p>
@@ -2910,7 +2912,7 @@
           <a:p>
             <a:fld id="{BF94EF38-D3E2-4225-B23F-FF579C2945F3}" type="datetimeFigureOut">
               <a:rPr lang="zh-CN" altLang="en-US" smtClean="0"/>
-              <a:t>2018/2/27</a:t>
+              <a:t>2018/3/23</a:t>
             </a:fld>
             <a:endParaRPr lang="zh-CN" altLang="en-US"/>
           </a:p>
@@ -3770,6 +3772,468 @@
       </p:grpSpPr>
       <p:grpSp>
         <p:nvGrpSpPr>
+          <p:cNvPr id="18" name="组合 17">
+            <a:extLst>
+              <a:ext uri="{FF2B5EF4-FFF2-40B4-BE49-F238E27FC236}">
+                <a16:creationId xmlns:a16="http://schemas.microsoft.com/office/drawing/2014/main" id="{87708ADB-9CCB-4C5F-B536-D4D4ABDF169A}"/>
+              </a:ext>
+            </a:extLst>
+          </p:cNvPr>
+          <p:cNvGrpSpPr/>
+          <p:nvPr/>
+        </p:nvGrpSpPr>
+        <p:grpSpPr>
+          <a:xfrm>
+            <a:off x="629920" y="3114040"/>
+            <a:ext cx="9997440" cy="635000"/>
+            <a:chOff x="629920" y="3114040"/>
+            <a:chExt cx="9997440" cy="635000"/>
+          </a:xfrm>
+        </p:grpSpPr>
+        <p:sp>
+          <p:nvSpPr>
+            <p:cNvPr id="5" name="流程图: 终止 4">
+              <a:extLst>
+                <a:ext uri="{FF2B5EF4-FFF2-40B4-BE49-F238E27FC236}">
+                  <a16:creationId xmlns:a16="http://schemas.microsoft.com/office/drawing/2014/main" id="{1D69BA07-96C1-4771-A9E0-08D007B87088}"/>
+                </a:ext>
+              </a:extLst>
+            </p:cNvPr>
+            <p:cNvSpPr/>
+            <p:nvPr/>
+          </p:nvSpPr>
+          <p:spPr>
+            <a:xfrm>
+              <a:off x="629920" y="3114040"/>
+              <a:ext cx="1615440" cy="629920"/>
+            </a:xfrm>
+            <a:prstGeom prst="flowChartTerminator">
+              <a:avLst/>
+            </a:prstGeom>
+          </p:spPr>
+          <p:style>
+            <a:lnRef idx="2">
+              <a:schemeClr val="dk1"/>
+            </a:lnRef>
+            <a:fillRef idx="1">
+              <a:schemeClr val="lt1"/>
+            </a:fillRef>
+            <a:effectRef idx="0">
+              <a:schemeClr val="dk1"/>
+            </a:effectRef>
+            <a:fontRef idx="minor">
+              <a:schemeClr val="dk1"/>
+            </a:fontRef>
+          </p:style>
+          <p:txBody>
+            <a:bodyPr rtlCol="0" anchor="ctr"/>
+            <a:lstStyle/>
+            <a:p>
+              <a:pPr algn="ctr"/>
+              <a:r>
+                <a:rPr lang="zh-CN" altLang="en-US" dirty="0"/>
+                <a:t>输入图像</a:t>
+              </a:r>
+            </a:p>
+          </p:txBody>
+        </p:sp>
+        <p:sp>
+          <p:nvSpPr>
+            <p:cNvPr id="6" name="流程图: 终止 5">
+              <a:extLst>
+                <a:ext uri="{FF2B5EF4-FFF2-40B4-BE49-F238E27FC236}">
+                  <a16:creationId xmlns:a16="http://schemas.microsoft.com/office/drawing/2014/main" id="{3740F5C1-E91D-4C8F-A65B-F355CC3E9170}"/>
+                </a:ext>
+              </a:extLst>
+            </p:cNvPr>
+            <p:cNvSpPr/>
+            <p:nvPr/>
+          </p:nvSpPr>
+          <p:spPr>
+            <a:xfrm>
+              <a:off x="9011920" y="3114040"/>
+              <a:ext cx="1615440" cy="629920"/>
+            </a:xfrm>
+            <a:prstGeom prst="flowChartTerminator">
+              <a:avLst/>
+            </a:prstGeom>
+          </p:spPr>
+          <p:style>
+            <a:lnRef idx="2">
+              <a:schemeClr val="dk1"/>
+            </a:lnRef>
+            <a:fillRef idx="1">
+              <a:schemeClr val="lt1"/>
+            </a:fillRef>
+            <a:effectRef idx="0">
+              <a:schemeClr val="dk1"/>
+            </a:effectRef>
+            <a:fontRef idx="minor">
+              <a:schemeClr val="dk1"/>
+            </a:fontRef>
+          </p:style>
+          <p:txBody>
+            <a:bodyPr rtlCol="0" anchor="ctr"/>
+            <a:lstStyle/>
+            <a:p>
+              <a:pPr algn="ctr"/>
+              <a:r>
+                <a:rPr lang="zh-CN" altLang="en-US" dirty="0"/>
+                <a:t>输出结果</a:t>
+              </a:r>
+            </a:p>
+          </p:txBody>
+        </p:sp>
+        <p:sp>
+          <p:nvSpPr>
+            <p:cNvPr id="7" name="流程图: 过程 6">
+              <a:extLst>
+                <a:ext uri="{FF2B5EF4-FFF2-40B4-BE49-F238E27FC236}">
+                  <a16:creationId xmlns:a16="http://schemas.microsoft.com/office/drawing/2014/main" id="{C181706C-E3D0-4F3C-ADD1-2991AAD0FD39}"/>
+                </a:ext>
+              </a:extLst>
+            </p:cNvPr>
+            <p:cNvSpPr/>
+            <p:nvPr/>
+          </p:nvSpPr>
+          <p:spPr>
+            <a:xfrm>
+              <a:off x="2550160" y="3119120"/>
+              <a:ext cx="1849120" cy="629920"/>
+            </a:xfrm>
+            <a:prstGeom prst="flowChartProcess">
+              <a:avLst/>
+            </a:prstGeom>
+          </p:spPr>
+          <p:style>
+            <a:lnRef idx="2">
+              <a:schemeClr val="dk1"/>
+            </a:lnRef>
+            <a:fillRef idx="1">
+              <a:schemeClr val="lt1"/>
+            </a:fillRef>
+            <a:effectRef idx="0">
+              <a:schemeClr val="dk1"/>
+            </a:effectRef>
+            <a:fontRef idx="minor">
+              <a:schemeClr val="dk1"/>
+            </a:fontRef>
+          </p:style>
+          <p:txBody>
+            <a:bodyPr rtlCol="0" anchor="ctr"/>
+            <a:lstStyle/>
+            <a:p>
+              <a:pPr algn="ctr"/>
+              <a:r>
+                <a:rPr lang="zh-CN" altLang="en-US" dirty="0"/>
+                <a:t>利用滑动窗获取候选文字区域</a:t>
+              </a:r>
+            </a:p>
+          </p:txBody>
+        </p:sp>
+        <p:sp>
+          <p:nvSpPr>
+            <p:cNvPr id="8" name="流程图: 过程 7">
+              <a:extLst>
+                <a:ext uri="{FF2B5EF4-FFF2-40B4-BE49-F238E27FC236}">
+                  <a16:creationId xmlns:a16="http://schemas.microsoft.com/office/drawing/2014/main" id="{C42331DE-5E68-41D9-8058-898067EE9CFF}"/>
+                </a:ext>
+              </a:extLst>
+            </p:cNvPr>
+            <p:cNvSpPr/>
+            <p:nvPr/>
+          </p:nvSpPr>
+          <p:spPr>
+            <a:xfrm>
+              <a:off x="4704080" y="3114040"/>
+              <a:ext cx="1849120" cy="629920"/>
+            </a:xfrm>
+            <a:prstGeom prst="flowChartProcess">
+              <a:avLst/>
+            </a:prstGeom>
+          </p:spPr>
+          <p:style>
+            <a:lnRef idx="2">
+              <a:schemeClr val="dk1"/>
+            </a:lnRef>
+            <a:fillRef idx="1">
+              <a:schemeClr val="lt1"/>
+            </a:fillRef>
+            <a:effectRef idx="0">
+              <a:schemeClr val="dk1"/>
+            </a:effectRef>
+            <a:fontRef idx="minor">
+              <a:schemeClr val="dk1"/>
+            </a:fontRef>
+          </p:style>
+          <p:txBody>
+            <a:bodyPr rtlCol="0" anchor="ctr"/>
+            <a:lstStyle/>
+            <a:p>
+              <a:pPr algn="ctr"/>
+              <a:r>
+                <a:rPr lang="zh-CN" altLang="en-US" dirty="0"/>
+                <a:t>在区域内提取文字的视觉特征</a:t>
+              </a:r>
+            </a:p>
+          </p:txBody>
+        </p:sp>
+        <p:sp>
+          <p:nvSpPr>
+            <p:cNvPr id="9" name="流程图: 过程 8">
+              <a:extLst>
+                <a:ext uri="{FF2B5EF4-FFF2-40B4-BE49-F238E27FC236}">
+                  <a16:creationId xmlns:a16="http://schemas.microsoft.com/office/drawing/2014/main" id="{0BCC971F-57BD-4142-A195-242C5397508F}"/>
+                </a:ext>
+              </a:extLst>
+            </p:cNvPr>
+            <p:cNvSpPr/>
+            <p:nvPr/>
+          </p:nvSpPr>
+          <p:spPr>
+            <a:xfrm>
+              <a:off x="6858000" y="3114040"/>
+              <a:ext cx="1849120" cy="629920"/>
+            </a:xfrm>
+            <a:prstGeom prst="flowChartProcess">
+              <a:avLst/>
+            </a:prstGeom>
+          </p:spPr>
+          <p:style>
+            <a:lnRef idx="2">
+              <a:schemeClr val="dk1"/>
+            </a:lnRef>
+            <a:fillRef idx="1">
+              <a:schemeClr val="lt1"/>
+            </a:fillRef>
+            <a:effectRef idx="0">
+              <a:schemeClr val="dk1"/>
+            </a:effectRef>
+            <a:fontRef idx="minor">
+              <a:schemeClr val="dk1"/>
+            </a:fontRef>
+          </p:style>
+          <p:txBody>
+            <a:bodyPr rtlCol="0" anchor="ctr"/>
+            <a:lstStyle/>
+            <a:p>
+              <a:pPr algn="ctr"/>
+              <a:r>
+                <a:rPr lang="zh-CN" altLang="en-US" dirty="0"/>
+                <a:t>结合分类器作文字</a:t>
+              </a:r>
+              <a:r>
+                <a:rPr lang="en-US" altLang="zh-CN" dirty="0"/>
+                <a:t>/</a:t>
+              </a:r>
+              <a:r>
+                <a:rPr lang="zh-CN" altLang="en-US" dirty="0"/>
+                <a:t>非文字判断</a:t>
+              </a:r>
+            </a:p>
+          </p:txBody>
+        </p:sp>
+        <p:cxnSp>
+          <p:nvCxnSpPr>
+            <p:cNvPr id="11" name="直接箭头连接符 10">
+              <a:extLst>
+                <a:ext uri="{FF2B5EF4-FFF2-40B4-BE49-F238E27FC236}">
+                  <a16:creationId xmlns:a16="http://schemas.microsoft.com/office/drawing/2014/main" id="{24361B35-37D6-4ACE-85C1-36616A4D8E70}"/>
+                </a:ext>
+              </a:extLst>
+            </p:cNvPr>
+            <p:cNvCxnSpPr>
+              <a:stCxn id="5" idx="3"/>
+              <a:endCxn id="7" idx="1"/>
+            </p:cNvCxnSpPr>
+            <p:nvPr/>
+          </p:nvCxnSpPr>
+          <p:spPr>
+            <a:xfrm>
+              <a:off x="2245360" y="3429000"/>
+              <a:ext cx="304800" cy="5080"/>
+            </a:xfrm>
+            <a:prstGeom prst="straightConnector1">
+              <a:avLst/>
+            </a:prstGeom>
+            <a:ln>
+              <a:tailEnd type="triangle"/>
+            </a:ln>
+          </p:spPr>
+          <p:style>
+            <a:lnRef idx="1">
+              <a:schemeClr val="dk1"/>
+            </a:lnRef>
+            <a:fillRef idx="0">
+              <a:schemeClr val="dk1"/>
+            </a:fillRef>
+            <a:effectRef idx="0">
+              <a:schemeClr val="dk1"/>
+            </a:effectRef>
+            <a:fontRef idx="minor">
+              <a:schemeClr val="tx1"/>
+            </a:fontRef>
+          </p:style>
+        </p:cxnSp>
+        <p:cxnSp>
+          <p:nvCxnSpPr>
+            <p:cNvPr id="15" name="直接箭头连接符 14">
+              <a:extLst>
+                <a:ext uri="{FF2B5EF4-FFF2-40B4-BE49-F238E27FC236}">
+                  <a16:creationId xmlns:a16="http://schemas.microsoft.com/office/drawing/2014/main" id="{A33D6CF3-E53E-4897-84F2-13C29434855C}"/>
+                </a:ext>
+              </a:extLst>
+            </p:cNvPr>
+            <p:cNvCxnSpPr>
+              <a:stCxn id="8" idx="3"/>
+              <a:endCxn id="9" idx="1"/>
+            </p:cNvCxnSpPr>
+            <p:nvPr/>
+          </p:nvCxnSpPr>
+          <p:spPr>
+            <a:xfrm>
+              <a:off x="6553200" y="3429000"/>
+              <a:ext cx="304800" cy="0"/>
+            </a:xfrm>
+            <a:prstGeom prst="straightConnector1">
+              <a:avLst/>
+            </a:prstGeom>
+            <a:ln>
+              <a:tailEnd type="triangle"/>
+            </a:ln>
+          </p:spPr>
+          <p:style>
+            <a:lnRef idx="1">
+              <a:schemeClr val="dk1"/>
+            </a:lnRef>
+            <a:fillRef idx="0">
+              <a:schemeClr val="dk1"/>
+            </a:fillRef>
+            <a:effectRef idx="0">
+              <a:schemeClr val="dk1"/>
+            </a:effectRef>
+            <a:fontRef idx="minor">
+              <a:schemeClr val="tx1"/>
+            </a:fontRef>
+          </p:style>
+        </p:cxnSp>
+        <p:cxnSp>
+          <p:nvCxnSpPr>
+            <p:cNvPr id="17" name="直接箭头连接符 16">
+              <a:extLst>
+                <a:ext uri="{FF2B5EF4-FFF2-40B4-BE49-F238E27FC236}">
+                  <a16:creationId xmlns:a16="http://schemas.microsoft.com/office/drawing/2014/main" id="{0EE074BD-A0CB-4B28-B739-AE8A0A7A930B}"/>
+                </a:ext>
+              </a:extLst>
+            </p:cNvPr>
+            <p:cNvCxnSpPr>
+              <a:stCxn id="9" idx="3"/>
+              <a:endCxn id="6" idx="1"/>
+            </p:cNvCxnSpPr>
+            <p:nvPr/>
+          </p:nvCxnSpPr>
+          <p:spPr>
+            <a:xfrm>
+              <a:off x="8707120" y="3429000"/>
+              <a:ext cx="304800" cy="0"/>
+            </a:xfrm>
+            <a:prstGeom prst="straightConnector1">
+              <a:avLst/>
+            </a:prstGeom>
+            <a:ln>
+              <a:tailEnd type="triangle"/>
+            </a:ln>
+          </p:spPr>
+          <p:style>
+            <a:lnRef idx="1">
+              <a:schemeClr val="dk1"/>
+            </a:lnRef>
+            <a:fillRef idx="0">
+              <a:schemeClr val="dk1"/>
+            </a:fillRef>
+            <a:effectRef idx="0">
+              <a:schemeClr val="dk1"/>
+            </a:effectRef>
+            <a:fontRef idx="minor">
+              <a:schemeClr val="tx1"/>
+            </a:fontRef>
+          </p:style>
+        </p:cxnSp>
+        <p:cxnSp>
+          <p:nvCxnSpPr>
+            <p:cNvPr id="16" name="直接箭头连接符 15">
+              <a:extLst>
+                <a:ext uri="{FF2B5EF4-FFF2-40B4-BE49-F238E27FC236}">
+                  <a16:creationId xmlns:a16="http://schemas.microsoft.com/office/drawing/2014/main" id="{12456C55-B6F7-4083-BA37-0C28572876CC}"/>
+                </a:ext>
+              </a:extLst>
+            </p:cNvPr>
+            <p:cNvCxnSpPr>
+              <a:stCxn id="7" idx="3"/>
+              <a:endCxn id="8" idx="1"/>
+            </p:cNvCxnSpPr>
+            <p:nvPr/>
+          </p:nvCxnSpPr>
+          <p:spPr>
+            <a:xfrm flipV="1">
+              <a:off x="4399280" y="3429000"/>
+              <a:ext cx="304800" cy="5080"/>
+            </a:xfrm>
+            <a:prstGeom prst="straightConnector1">
+              <a:avLst/>
+            </a:prstGeom>
+            <a:ln>
+              <a:tailEnd type="triangle"/>
+            </a:ln>
+          </p:spPr>
+          <p:style>
+            <a:lnRef idx="1">
+              <a:schemeClr val="dk1"/>
+            </a:lnRef>
+            <a:fillRef idx="0">
+              <a:schemeClr val="dk1"/>
+            </a:fillRef>
+            <a:effectRef idx="0">
+              <a:schemeClr val="dk1"/>
+            </a:effectRef>
+            <a:fontRef idx="minor">
+              <a:schemeClr val="tx1"/>
+            </a:fontRef>
+          </p:style>
+        </p:cxnSp>
+      </p:grpSp>
+    </p:spTree>
+    <p:extLst>
+      <p:ext uri="{BB962C8B-B14F-4D97-AF65-F5344CB8AC3E}">
+        <p14:creationId xmlns:p14="http://schemas.microsoft.com/office/powerpoint/2010/main" val="2939018637"/>
+      </p:ext>
+    </p:extLst>
+  </p:cSld>
+  <p:clrMapOvr>
+    <a:masterClrMapping/>
+  </p:clrMapOvr>
+</p:sld>
+</file>
+
+<file path=ppt/slides/slide3.xml><?xml version="1.0" encoding="utf-8"?>
+<p:sld xmlns:a="http://schemas.openxmlformats.org/drawingml/2006/main" xmlns:r="http://schemas.openxmlformats.org/officeDocument/2006/relationships" xmlns:p="http://schemas.openxmlformats.org/presentationml/2006/main">
+  <p:cSld>
+    <p:spTree>
+      <p:nvGrpSpPr>
+        <p:cNvPr id="1" name=""/>
+        <p:cNvGrpSpPr/>
+        <p:nvPr/>
+      </p:nvGrpSpPr>
+      <p:grpSpPr>
+        <a:xfrm>
+          <a:off x="0" y="0"/>
+          <a:ext cx="0" cy="0"/>
+          <a:chOff x="0" y="0"/>
+          <a:chExt cx="0" cy="0"/>
+        </a:xfrm>
+      </p:grpSpPr>
+      <p:grpSp>
+        <p:nvGrpSpPr>
           <p:cNvPr id="3" name="组合 2">
             <a:extLst>
               <a:ext uri="{FF2B5EF4-FFF2-40B4-BE49-F238E27FC236}">
@@ -4204,6 +4668,489 @@
     <p:extLst>
       <p:ext uri="{BB962C8B-B14F-4D97-AF65-F5344CB8AC3E}">
         <p14:creationId xmlns:p14="http://schemas.microsoft.com/office/powerpoint/2010/main" val="3333843648"/>
+      </p:ext>
+    </p:extLst>
+  </p:cSld>
+  <p:clrMapOvr>
+    <a:masterClrMapping/>
+  </p:clrMapOvr>
+</p:sld>
+</file>
+
+<file path=ppt/slides/slide4.xml><?xml version="1.0" encoding="utf-8"?>
+<p:sld xmlns:a="http://schemas.openxmlformats.org/drawingml/2006/main" xmlns:r="http://schemas.openxmlformats.org/officeDocument/2006/relationships" xmlns:p="http://schemas.openxmlformats.org/presentationml/2006/main">
+  <p:cSld>
+    <p:spTree>
+      <p:nvGrpSpPr>
+        <p:cNvPr id="1" name=""/>
+        <p:cNvGrpSpPr/>
+        <p:nvPr/>
+      </p:nvGrpSpPr>
+      <p:grpSpPr>
+        <a:xfrm>
+          <a:off x="0" y="0"/>
+          <a:ext cx="0" cy="0"/>
+          <a:chOff x="0" y="0"/>
+          <a:chExt cx="0" cy="0"/>
+        </a:xfrm>
+      </p:grpSpPr>
+      <p:grpSp>
+        <p:nvGrpSpPr>
+          <p:cNvPr id="16" name="组合 15">
+            <a:extLst>
+              <a:ext uri="{FF2B5EF4-FFF2-40B4-BE49-F238E27FC236}">
+                <a16:creationId xmlns:a16="http://schemas.microsoft.com/office/drawing/2014/main" id="{DC83218E-DB3F-4F20-84F8-EA01C5340536}"/>
+              </a:ext>
+            </a:extLst>
+          </p:cNvPr>
+          <p:cNvGrpSpPr/>
+          <p:nvPr/>
+        </p:nvGrpSpPr>
+        <p:grpSpPr>
+          <a:xfrm>
+            <a:off x="629920" y="3114040"/>
+            <a:ext cx="9997440" cy="635000"/>
+            <a:chOff x="629920" y="3114040"/>
+            <a:chExt cx="9997440" cy="635000"/>
+          </a:xfrm>
+        </p:grpSpPr>
+        <p:sp>
+          <p:nvSpPr>
+            <p:cNvPr id="5" name="流程图: 终止 4">
+              <a:extLst>
+                <a:ext uri="{FF2B5EF4-FFF2-40B4-BE49-F238E27FC236}">
+                  <a16:creationId xmlns:a16="http://schemas.microsoft.com/office/drawing/2014/main" id="{1D69BA07-96C1-4771-A9E0-08D007B87088}"/>
+                </a:ext>
+              </a:extLst>
+            </p:cNvPr>
+            <p:cNvSpPr/>
+            <p:nvPr/>
+          </p:nvSpPr>
+          <p:spPr>
+            <a:xfrm>
+              <a:off x="629920" y="3114040"/>
+              <a:ext cx="1615440" cy="629920"/>
+            </a:xfrm>
+            <a:prstGeom prst="flowChartTerminator">
+              <a:avLst/>
+            </a:prstGeom>
+          </p:spPr>
+          <p:style>
+            <a:lnRef idx="2">
+              <a:schemeClr val="dk1"/>
+            </a:lnRef>
+            <a:fillRef idx="1">
+              <a:schemeClr val="lt1"/>
+            </a:fillRef>
+            <a:effectRef idx="0">
+              <a:schemeClr val="dk1"/>
+            </a:effectRef>
+            <a:fontRef idx="minor">
+              <a:schemeClr val="dk1"/>
+            </a:fontRef>
+          </p:style>
+          <p:txBody>
+            <a:bodyPr rtlCol="0" anchor="ctr"/>
+            <a:lstStyle/>
+            <a:p>
+              <a:pPr algn="ctr"/>
+              <a:r>
+                <a:rPr lang="zh-CN" altLang="en-US" dirty="0"/>
+                <a:t>输入图像</a:t>
+              </a:r>
+            </a:p>
+          </p:txBody>
+        </p:sp>
+        <p:grpSp>
+          <p:nvGrpSpPr>
+            <p:cNvPr id="14" name="组合 13">
+              <a:extLst>
+                <a:ext uri="{FF2B5EF4-FFF2-40B4-BE49-F238E27FC236}">
+                  <a16:creationId xmlns:a16="http://schemas.microsoft.com/office/drawing/2014/main" id="{2014320B-AF0E-4865-A082-09CE14A97CDC}"/>
+                </a:ext>
+              </a:extLst>
+            </p:cNvPr>
+            <p:cNvGrpSpPr/>
+            <p:nvPr/>
+          </p:nvGrpSpPr>
+          <p:grpSpPr>
+            <a:xfrm>
+              <a:off x="2245360" y="3114040"/>
+              <a:ext cx="8382000" cy="635000"/>
+              <a:chOff x="2245360" y="3114040"/>
+              <a:chExt cx="8382000" cy="635000"/>
+            </a:xfrm>
+          </p:grpSpPr>
+          <p:sp>
+            <p:nvSpPr>
+              <p:cNvPr id="6" name="流程图: 终止 5">
+                <a:extLst>
+                  <a:ext uri="{FF2B5EF4-FFF2-40B4-BE49-F238E27FC236}">
+                    <a16:creationId xmlns:a16="http://schemas.microsoft.com/office/drawing/2014/main" id="{3740F5C1-E91D-4C8F-A65B-F355CC3E9170}"/>
+                  </a:ext>
+                </a:extLst>
+              </p:cNvPr>
+              <p:cNvSpPr/>
+              <p:nvPr/>
+            </p:nvSpPr>
+            <p:spPr>
+              <a:xfrm>
+                <a:off x="9011920" y="3114040"/>
+                <a:ext cx="1615440" cy="629920"/>
+              </a:xfrm>
+              <a:prstGeom prst="flowChartTerminator">
+                <a:avLst/>
+              </a:prstGeom>
+            </p:spPr>
+            <p:style>
+              <a:lnRef idx="2">
+                <a:schemeClr val="dk1"/>
+              </a:lnRef>
+              <a:fillRef idx="1">
+                <a:schemeClr val="lt1"/>
+              </a:fillRef>
+              <a:effectRef idx="0">
+                <a:schemeClr val="dk1"/>
+              </a:effectRef>
+              <a:fontRef idx="minor">
+                <a:schemeClr val="dk1"/>
+              </a:fontRef>
+            </p:style>
+            <p:txBody>
+              <a:bodyPr rtlCol="0" anchor="ctr"/>
+              <a:lstStyle/>
+              <a:p>
+                <a:pPr algn="ctr"/>
+                <a:r>
+                  <a:rPr lang="zh-CN" altLang="en-US" dirty="0"/>
+                  <a:t>检测结果</a:t>
+                </a:r>
+              </a:p>
+            </p:txBody>
+          </p:sp>
+          <p:sp>
+            <p:nvSpPr>
+              <p:cNvPr id="7" name="流程图: 过程 6">
+                <a:extLst>
+                  <a:ext uri="{FF2B5EF4-FFF2-40B4-BE49-F238E27FC236}">
+                    <a16:creationId xmlns:a16="http://schemas.microsoft.com/office/drawing/2014/main" id="{C181706C-E3D0-4F3C-ADD1-2991AAD0FD39}"/>
+                  </a:ext>
+                </a:extLst>
+              </p:cNvPr>
+              <p:cNvSpPr/>
+              <p:nvPr/>
+            </p:nvSpPr>
+            <p:spPr>
+              <a:xfrm>
+                <a:off x="2550160" y="3119120"/>
+                <a:ext cx="1849120" cy="629920"/>
+              </a:xfrm>
+              <a:prstGeom prst="flowChartProcess">
+                <a:avLst/>
+              </a:prstGeom>
+            </p:spPr>
+            <p:style>
+              <a:lnRef idx="2">
+                <a:schemeClr val="dk1"/>
+              </a:lnRef>
+              <a:fillRef idx="1">
+                <a:schemeClr val="lt1"/>
+              </a:fillRef>
+              <a:effectRef idx="0">
+                <a:schemeClr val="dk1"/>
+              </a:effectRef>
+              <a:fontRef idx="minor">
+                <a:schemeClr val="dk1"/>
+              </a:fontRef>
+            </p:style>
+            <p:txBody>
+              <a:bodyPr rtlCol="0" anchor="ctr"/>
+              <a:lstStyle/>
+              <a:p>
+                <a:pPr algn="ctr"/>
+                <a:r>
+                  <a:rPr lang="zh-CN" altLang="en-US" dirty="0"/>
+                  <a:t>连通部件分割</a:t>
+                </a:r>
+              </a:p>
+            </p:txBody>
+          </p:sp>
+          <p:sp>
+            <p:nvSpPr>
+              <p:cNvPr id="8" name="流程图: 过程 7">
+                <a:extLst>
+                  <a:ext uri="{FF2B5EF4-FFF2-40B4-BE49-F238E27FC236}">
+                    <a16:creationId xmlns:a16="http://schemas.microsoft.com/office/drawing/2014/main" id="{C42331DE-5E68-41D9-8058-898067EE9CFF}"/>
+                  </a:ext>
+                </a:extLst>
+              </p:cNvPr>
+              <p:cNvSpPr/>
+              <p:nvPr/>
+            </p:nvSpPr>
+            <p:spPr>
+              <a:xfrm>
+                <a:off x="4704080" y="3114040"/>
+                <a:ext cx="1849120" cy="629920"/>
+              </a:xfrm>
+              <a:prstGeom prst="flowChartProcess">
+                <a:avLst/>
+              </a:prstGeom>
+            </p:spPr>
+            <p:style>
+              <a:lnRef idx="2">
+                <a:schemeClr val="dk1"/>
+              </a:lnRef>
+              <a:fillRef idx="1">
+                <a:schemeClr val="lt1"/>
+              </a:fillRef>
+              <a:effectRef idx="0">
+                <a:schemeClr val="dk1"/>
+              </a:effectRef>
+              <a:fontRef idx="minor">
+                <a:schemeClr val="dk1"/>
+              </a:fontRef>
+            </p:style>
+            <p:txBody>
+              <a:bodyPr rtlCol="0" anchor="ctr"/>
+              <a:lstStyle/>
+              <a:p>
+                <a:pPr algn="ctr"/>
+                <a:r>
+                  <a:rPr lang="zh-CN" altLang="en-US" dirty="0"/>
+                  <a:t>连通部件</a:t>
+                </a:r>
+                <a:endParaRPr lang="en-US" altLang="zh-CN" dirty="0"/>
+              </a:p>
+              <a:p>
+                <a:pPr algn="ctr"/>
+                <a:r>
+                  <a:rPr lang="zh-CN" altLang="en-US" dirty="0"/>
+                  <a:t>特征提取</a:t>
+                </a:r>
+              </a:p>
+            </p:txBody>
+          </p:sp>
+          <p:sp>
+            <p:nvSpPr>
+              <p:cNvPr id="9" name="流程图: 过程 8">
+                <a:extLst>
+                  <a:ext uri="{FF2B5EF4-FFF2-40B4-BE49-F238E27FC236}">
+                    <a16:creationId xmlns:a16="http://schemas.microsoft.com/office/drawing/2014/main" id="{0BCC971F-57BD-4142-A195-242C5397508F}"/>
+                  </a:ext>
+                </a:extLst>
+              </p:cNvPr>
+              <p:cNvSpPr/>
+              <p:nvPr/>
+            </p:nvSpPr>
+            <p:spPr>
+              <a:xfrm>
+                <a:off x="6858000" y="3114040"/>
+                <a:ext cx="1849120" cy="629920"/>
+              </a:xfrm>
+              <a:prstGeom prst="flowChartProcess">
+                <a:avLst/>
+              </a:prstGeom>
+            </p:spPr>
+            <p:style>
+              <a:lnRef idx="2">
+                <a:schemeClr val="dk1"/>
+              </a:lnRef>
+              <a:fillRef idx="1">
+                <a:schemeClr val="lt1"/>
+              </a:fillRef>
+              <a:effectRef idx="0">
+                <a:schemeClr val="dk1"/>
+              </a:effectRef>
+              <a:fontRef idx="minor">
+                <a:schemeClr val="dk1"/>
+              </a:fontRef>
+            </p:style>
+            <p:txBody>
+              <a:bodyPr rtlCol="0" anchor="ctr"/>
+              <a:lstStyle/>
+              <a:p>
+                <a:pPr algn="ctr"/>
+                <a:r>
+                  <a:rPr lang="zh-CN" altLang="en-US" dirty="0"/>
+                  <a:t>连通部件分析</a:t>
+                </a:r>
+              </a:p>
+            </p:txBody>
+          </p:sp>
+          <p:cxnSp>
+            <p:nvCxnSpPr>
+              <p:cNvPr id="11" name="直接箭头连接符 10">
+                <a:extLst>
+                  <a:ext uri="{FF2B5EF4-FFF2-40B4-BE49-F238E27FC236}">
+                    <a16:creationId xmlns:a16="http://schemas.microsoft.com/office/drawing/2014/main" id="{24361B35-37D6-4ACE-85C1-36616A4D8E70}"/>
+                  </a:ext>
+                </a:extLst>
+              </p:cNvPr>
+              <p:cNvCxnSpPr>
+                <a:stCxn id="5" idx="3"/>
+                <a:endCxn id="7" idx="1"/>
+              </p:cNvCxnSpPr>
+              <p:nvPr/>
+            </p:nvCxnSpPr>
+            <p:spPr>
+              <a:xfrm>
+                <a:off x="2245360" y="3429000"/>
+                <a:ext cx="304800" cy="5080"/>
+              </a:xfrm>
+              <a:prstGeom prst="straightConnector1">
+                <a:avLst/>
+              </a:prstGeom>
+              <a:ln>
+                <a:tailEnd type="triangle"/>
+              </a:ln>
+            </p:spPr>
+            <p:style>
+              <a:lnRef idx="1">
+                <a:schemeClr val="dk1"/>
+              </a:lnRef>
+              <a:fillRef idx="0">
+                <a:schemeClr val="dk1"/>
+              </a:fillRef>
+              <a:effectRef idx="0">
+                <a:schemeClr val="dk1"/>
+              </a:effectRef>
+              <a:fontRef idx="minor">
+                <a:schemeClr val="tx1"/>
+              </a:fontRef>
+            </p:style>
+          </p:cxnSp>
+          <p:cxnSp>
+            <p:nvCxnSpPr>
+              <p:cNvPr id="15" name="直接箭头连接符 14">
+                <a:extLst>
+                  <a:ext uri="{FF2B5EF4-FFF2-40B4-BE49-F238E27FC236}">
+                    <a16:creationId xmlns:a16="http://schemas.microsoft.com/office/drawing/2014/main" id="{A33D6CF3-E53E-4897-84F2-13C29434855C}"/>
+                  </a:ext>
+                </a:extLst>
+              </p:cNvPr>
+              <p:cNvCxnSpPr>
+                <a:stCxn id="8" idx="3"/>
+                <a:endCxn id="9" idx="1"/>
+              </p:cNvCxnSpPr>
+              <p:nvPr/>
+            </p:nvCxnSpPr>
+            <p:spPr>
+              <a:xfrm>
+                <a:off x="6553200" y="3429000"/>
+                <a:ext cx="304800" cy="0"/>
+              </a:xfrm>
+              <a:prstGeom prst="straightConnector1">
+                <a:avLst/>
+              </a:prstGeom>
+              <a:ln>
+                <a:tailEnd type="triangle"/>
+              </a:ln>
+            </p:spPr>
+            <p:style>
+              <a:lnRef idx="1">
+                <a:schemeClr val="dk1"/>
+              </a:lnRef>
+              <a:fillRef idx="0">
+                <a:schemeClr val="dk1"/>
+              </a:fillRef>
+              <a:effectRef idx="0">
+                <a:schemeClr val="dk1"/>
+              </a:effectRef>
+              <a:fontRef idx="minor">
+                <a:schemeClr val="tx1"/>
+              </a:fontRef>
+            </p:style>
+          </p:cxnSp>
+          <p:cxnSp>
+            <p:nvCxnSpPr>
+              <p:cNvPr id="17" name="直接箭头连接符 16">
+                <a:extLst>
+                  <a:ext uri="{FF2B5EF4-FFF2-40B4-BE49-F238E27FC236}">
+                    <a16:creationId xmlns:a16="http://schemas.microsoft.com/office/drawing/2014/main" id="{0EE074BD-A0CB-4B28-B739-AE8A0A7A930B}"/>
+                  </a:ext>
+                </a:extLst>
+              </p:cNvPr>
+              <p:cNvCxnSpPr>
+                <a:stCxn id="9" idx="3"/>
+                <a:endCxn id="6" idx="1"/>
+              </p:cNvCxnSpPr>
+              <p:nvPr/>
+            </p:nvCxnSpPr>
+            <p:spPr>
+              <a:xfrm>
+                <a:off x="8707120" y="3429000"/>
+                <a:ext cx="304800" cy="0"/>
+              </a:xfrm>
+              <a:prstGeom prst="straightConnector1">
+                <a:avLst/>
+              </a:prstGeom>
+              <a:ln>
+                <a:tailEnd type="triangle"/>
+              </a:ln>
+            </p:spPr>
+            <p:style>
+              <a:lnRef idx="1">
+                <a:schemeClr val="dk1"/>
+              </a:lnRef>
+              <a:fillRef idx="0">
+                <a:schemeClr val="dk1"/>
+              </a:fillRef>
+              <a:effectRef idx="0">
+                <a:schemeClr val="dk1"/>
+              </a:effectRef>
+              <a:fontRef idx="minor">
+                <a:schemeClr val="tx1"/>
+              </a:fontRef>
+            </p:style>
+          </p:cxnSp>
+          <p:cxnSp>
+            <p:nvCxnSpPr>
+              <p:cNvPr id="12" name="直接箭头连接符 11">
+                <a:extLst>
+                  <a:ext uri="{FF2B5EF4-FFF2-40B4-BE49-F238E27FC236}">
+                    <a16:creationId xmlns:a16="http://schemas.microsoft.com/office/drawing/2014/main" id="{8F2ACD74-0480-4C05-9AAE-9DB8746A7260}"/>
+                  </a:ext>
+                </a:extLst>
+              </p:cNvPr>
+              <p:cNvCxnSpPr>
+                <a:stCxn id="7" idx="3"/>
+                <a:endCxn id="8" idx="1"/>
+              </p:cNvCxnSpPr>
+              <p:nvPr/>
+            </p:nvCxnSpPr>
+            <p:spPr>
+              <a:xfrm flipV="1">
+                <a:off x="4399280" y="3429000"/>
+                <a:ext cx="304800" cy="5080"/>
+              </a:xfrm>
+              <a:prstGeom prst="straightConnector1">
+                <a:avLst/>
+              </a:prstGeom>
+              <a:ln>
+                <a:tailEnd type="triangle"/>
+              </a:ln>
+            </p:spPr>
+            <p:style>
+              <a:lnRef idx="1">
+                <a:schemeClr val="dk1"/>
+              </a:lnRef>
+              <a:fillRef idx="0">
+                <a:schemeClr val="dk1"/>
+              </a:fillRef>
+              <a:effectRef idx="0">
+                <a:schemeClr val="dk1"/>
+              </a:effectRef>
+              <a:fontRef idx="minor">
+                <a:schemeClr val="tx1"/>
+              </a:fontRef>
+            </p:style>
+          </p:cxnSp>
+        </p:grpSp>
+      </p:grpSp>
+    </p:spTree>
+    <p:extLst>
+      <p:ext uri="{BB962C8B-B14F-4D97-AF65-F5344CB8AC3E}">
+        <p14:creationId xmlns:p14="http://schemas.microsoft.com/office/powerpoint/2010/main" val="3028590389"/>
       </p:ext>
     </p:extLst>
   </p:cSld>
